--- a/testLogo.pptx
+++ b/testLogo.pptx
@@ -113,8 +113,40 @@
 </p:presentation>
 </file>
 
+<file path=ppt/revisionInfo.xml><?xml version="1.0" encoding="utf-8"?>
+<p1510:revInfo xmlns:a="http://schemas.openxmlformats.org/drawingml/2006/main" xmlns:r="http://schemas.openxmlformats.org/officeDocument/2006/relationships" xmlns:p1510="http://schemas.microsoft.com/office/powerpoint/2015/10/main">
+  <p1510:revLst>
+    <p1510:client id="{9C5EE3D2-4BE9-4BCE-A7BB-32E7FC109E2A}" v="5" dt="2024-04-29T09:58:36.295"/>
+  </p1510:revLst>
+</p1510:revInfo>
+</file>
+
 <file path=ppt/changesInfos/changesInfo1.xml><?xml version="1.0" encoding="utf-8"?>
 <pc:chgInfo xmlns:a="http://schemas.openxmlformats.org/drawingml/2006/main" xmlns:r="http://schemas.openxmlformats.org/officeDocument/2006/relationships" xmlns:ac="http://schemas.microsoft.com/office/drawing/2013/main/command" xmlns:pc="http://schemas.microsoft.com/office/powerpoint/2013/main/command">
+  <pc:docChgLst>
+    <pc:chgData name="Thomas SAUVAGE" userId="fe7406c92acd3365" providerId="LiveId" clId="{9C5EE3D2-4BE9-4BCE-A7BB-32E7FC109E2A}"/>
+    <pc:docChg chg="undo redo custSel modSld">
+      <pc:chgData name="Thomas SAUVAGE" userId="fe7406c92acd3365" providerId="LiveId" clId="{9C5EE3D2-4BE9-4BCE-A7BB-32E7FC109E2A}" dt="2024-04-29T11:07:14.328" v="85" actId="1076"/>
+      <pc:docMkLst>
+        <pc:docMk/>
+      </pc:docMkLst>
+      <pc:sldChg chg="modSp mod">
+        <pc:chgData name="Thomas SAUVAGE" userId="fe7406c92acd3365" providerId="LiveId" clId="{9C5EE3D2-4BE9-4BCE-A7BB-32E7FC109E2A}" dt="2024-04-29T11:07:14.328" v="85" actId="1076"/>
+        <pc:sldMkLst>
+          <pc:docMk/>
+          <pc:sldMk cId="563723484" sldId="256"/>
+        </pc:sldMkLst>
+        <pc:spChg chg="mod ord">
+          <ac:chgData name="Thomas SAUVAGE" userId="fe7406c92acd3365" providerId="LiveId" clId="{9C5EE3D2-4BE9-4BCE-A7BB-32E7FC109E2A}" dt="2024-04-29T11:07:14.328" v="85" actId="1076"/>
+          <ac:spMkLst>
+            <pc:docMk/>
+            <pc:sldMk cId="563723484" sldId="256"/>
+            <ac:spMk id="9" creationId="{C82BFC96-FB7B-B6A7-9182-9E87105A000E}"/>
+          </ac:spMkLst>
+        </pc:spChg>
+      </pc:sldChg>
+    </pc:docChg>
+  </pc:docChgLst>
   <pc:docChgLst>
     <pc:chgData name="Thomas SAUVAGE" userId="fe7406c92acd3365" providerId="LiveId" clId="{80E1BAC6-15EC-4E83-92DC-9E54F64CB87D}"/>
     <pc:docChg chg="undo redo custSel modSld">
@@ -305,7 +337,7 @@
           <a:p>
             <a:fld id="{AF422AD0-C039-4E6D-B87F-17924B80A291}" type="datetimeFigureOut">
               <a:rPr lang="fr-FR" smtClean="0"/>
-              <a:t>23/04/2024</a:t>
+              <a:t>29/04/2024</a:t>
             </a:fld>
             <a:endParaRPr lang="fr-FR"/>
           </a:p>
@@ -503,7 +535,7 @@
           <a:p>
             <a:fld id="{AF422AD0-C039-4E6D-B87F-17924B80A291}" type="datetimeFigureOut">
               <a:rPr lang="fr-FR" smtClean="0"/>
-              <a:t>23/04/2024</a:t>
+              <a:t>29/04/2024</a:t>
             </a:fld>
             <a:endParaRPr lang="fr-FR"/>
           </a:p>
@@ -711,7 +743,7 @@
           <a:p>
             <a:fld id="{AF422AD0-C039-4E6D-B87F-17924B80A291}" type="datetimeFigureOut">
               <a:rPr lang="fr-FR" smtClean="0"/>
-              <a:t>23/04/2024</a:t>
+              <a:t>29/04/2024</a:t>
             </a:fld>
             <a:endParaRPr lang="fr-FR"/>
           </a:p>
@@ -909,7 +941,7 @@
           <a:p>
             <a:fld id="{AF422AD0-C039-4E6D-B87F-17924B80A291}" type="datetimeFigureOut">
               <a:rPr lang="fr-FR" smtClean="0"/>
-              <a:t>23/04/2024</a:t>
+              <a:t>29/04/2024</a:t>
             </a:fld>
             <a:endParaRPr lang="fr-FR"/>
           </a:p>
@@ -1184,7 +1216,7 @@
           <a:p>
             <a:fld id="{AF422AD0-C039-4E6D-B87F-17924B80A291}" type="datetimeFigureOut">
               <a:rPr lang="fr-FR" smtClean="0"/>
-              <a:t>23/04/2024</a:t>
+              <a:t>29/04/2024</a:t>
             </a:fld>
             <a:endParaRPr lang="fr-FR"/>
           </a:p>
@@ -1449,7 +1481,7 @@
           <a:p>
             <a:fld id="{AF422AD0-C039-4E6D-B87F-17924B80A291}" type="datetimeFigureOut">
               <a:rPr lang="fr-FR" smtClean="0"/>
-              <a:t>23/04/2024</a:t>
+              <a:t>29/04/2024</a:t>
             </a:fld>
             <a:endParaRPr lang="fr-FR"/>
           </a:p>
@@ -1861,7 +1893,7 @@
           <a:p>
             <a:fld id="{AF422AD0-C039-4E6D-B87F-17924B80A291}" type="datetimeFigureOut">
               <a:rPr lang="fr-FR" smtClean="0"/>
-              <a:t>23/04/2024</a:t>
+              <a:t>29/04/2024</a:t>
             </a:fld>
             <a:endParaRPr lang="fr-FR"/>
           </a:p>
@@ -2002,7 +2034,7 @@
           <a:p>
             <a:fld id="{AF422AD0-C039-4E6D-B87F-17924B80A291}" type="datetimeFigureOut">
               <a:rPr lang="fr-FR" smtClean="0"/>
-              <a:t>23/04/2024</a:t>
+              <a:t>29/04/2024</a:t>
             </a:fld>
             <a:endParaRPr lang="fr-FR"/>
           </a:p>
@@ -2115,7 +2147,7 @@
           <a:p>
             <a:fld id="{AF422AD0-C039-4E6D-B87F-17924B80A291}" type="datetimeFigureOut">
               <a:rPr lang="fr-FR" smtClean="0"/>
-              <a:t>23/04/2024</a:t>
+              <a:t>29/04/2024</a:t>
             </a:fld>
             <a:endParaRPr lang="fr-FR"/>
           </a:p>
@@ -2426,7 +2458,7 @@
           <a:p>
             <a:fld id="{AF422AD0-C039-4E6D-B87F-17924B80A291}" type="datetimeFigureOut">
               <a:rPr lang="fr-FR" smtClean="0"/>
-              <a:t>23/04/2024</a:t>
+              <a:t>29/04/2024</a:t>
             </a:fld>
             <a:endParaRPr lang="fr-FR"/>
           </a:p>
@@ -2714,7 +2746,7 @@
           <a:p>
             <a:fld id="{AF422AD0-C039-4E6D-B87F-17924B80A291}" type="datetimeFigureOut">
               <a:rPr lang="fr-FR" smtClean="0"/>
-              <a:t>23/04/2024</a:t>
+              <a:t>29/04/2024</a:t>
             </a:fld>
             <a:endParaRPr lang="fr-FR"/>
           </a:p>
@@ -2955,7 +2987,7 @@
           <a:p>
             <a:fld id="{AF422AD0-C039-4E6D-B87F-17924B80A291}" type="datetimeFigureOut">
               <a:rPr lang="fr-FR" smtClean="0"/>
-              <a:t>23/04/2024</a:t>
+              <a:t>29/04/2024</a:t>
             </a:fld>
             <a:endParaRPr lang="fr-FR"/>
           </a:p>
@@ -3382,76 +3414,6 @@
       </p:grpSpPr>
       <p:sp>
         <p:nvSpPr>
-          <p:cNvPr id="9" name="Rectangle 8">
-            <a:extLst>
-              <a:ext uri="{FF2B5EF4-FFF2-40B4-BE49-F238E27FC236}">
-                <a16:creationId xmlns:a16="http://schemas.microsoft.com/office/drawing/2014/main" id="{C82BFC96-FB7B-B6A7-9182-9E87105A000E}"/>
-              </a:ext>
-            </a:extLst>
-          </p:cNvPr>
-          <p:cNvSpPr/>
-          <p:nvPr/>
-        </p:nvSpPr>
-        <p:spPr>
-          <a:xfrm>
-            <a:off x="195943" y="0"/>
-            <a:ext cx="7104857" cy="6858000"/>
-          </a:xfrm>
-          <a:prstGeom prst="rect">
-            <a:avLst/>
-          </a:prstGeom>
-          <a:gradFill flip="none" rotWithShape="1">
-            <a:gsLst>
-              <a:gs pos="0">
-                <a:srgbClr val="96DCF8">
-                  <a:alpha val="0"/>
-                </a:srgbClr>
-              </a:gs>
-              <a:gs pos="10000">
-                <a:srgbClr val="00B0F0"/>
-              </a:gs>
-              <a:gs pos="32000">
-                <a:schemeClr val="accent4">
-                  <a:lumMod val="40000"/>
-                  <a:lumOff val="60000"/>
-                  <a:alpha val="0"/>
-                </a:schemeClr>
-              </a:gs>
-            </a:gsLst>
-            <a:lin ang="10800000" scaled="0"/>
-            <a:tileRect/>
-          </a:gradFill>
-          <a:ln>
-            <a:noFill/>
-          </a:ln>
-        </p:spPr>
-        <p:style>
-          <a:lnRef idx="2">
-            <a:schemeClr val="accent1">
-              <a:shade val="15000"/>
-            </a:schemeClr>
-          </a:lnRef>
-          <a:fillRef idx="1">
-            <a:schemeClr val="accent1"/>
-          </a:fillRef>
-          <a:effectRef idx="0">
-            <a:schemeClr val="accent1"/>
-          </a:effectRef>
-          <a:fontRef idx="minor">
-            <a:schemeClr val="lt1"/>
-          </a:fontRef>
-        </p:style>
-        <p:txBody>
-          <a:bodyPr rtlCol="0" anchor="ctr"/>
-          <a:lstStyle/>
-          <a:p>
-            <a:pPr algn="ctr"/>
-            <a:endParaRPr lang="fr-FR"/>
-          </a:p>
-        </p:txBody>
-      </p:sp>
-      <p:sp>
-        <p:nvSpPr>
           <p:cNvPr id="6" name="Organigramme : Fusion 5">
             <a:extLst>
               <a:ext uri="{FF2B5EF4-FFF2-40B4-BE49-F238E27FC236}">
@@ -3567,6 +3529,85 @@
             <a:endParaRPr lang="fr-FR">
               <a:noFill/>
             </a:endParaRPr>
+          </a:p>
+        </p:txBody>
+      </p:sp>
+      <p:sp>
+        <p:nvSpPr>
+          <p:cNvPr id="9" name="Rectangle 8">
+            <a:extLst>
+              <a:ext uri="{FF2B5EF4-FFF2-40B4-BE49-F238E27FC236}">
+                <a16:creationId xmlns:a16="http://schemas.microsoft.com/office/drawing/2014/main" id="{C82BFC96-FB7B-B6A7-9182-9E87105A000E}"/>
+              </a:ext>
+            </a:extLst>
+          </p:cNvPr>
+          <p:cNvSpPr/>
+          <p:nvPr/>
+        </p:nvSpPr>
+        <p:spPr>
+          <a:xfrm>
+            <a:off x="2446035" y="0"/>
+            <a:ext cx="7104857" cy="6858000"/>
+          </a:xfrm>
+          <a:prstGeom prst="rect">
+            <a:avLst/>
+          </a:prstGeom>
+          <a:noFill/>
+          <a:ln>
+            <a:noFill/>
+          </a:ln>
+        </p:spPr>
+        <p:style>
+          <a:lnRef idx="2">
+            <a:schemeClr val="accent1">
+              <a:shade val="15000"/>
+            </a:schemeClr>
+          </a:lnRef>
+          <a:fillRef idx="1">
+            <a:schemeClr val="accent1"/>
+          </a:fillRef>
+          <a:effectRef idx="0">
+            <a:schemeClr val="accent1"/>
+          </a:effectRef>
+          <a:fontRef idx="minor">
+            <a:schemeClr val="lt1"/>
+          </a:fontRef>
+        </p:style>
+        <p:txBody>
+          <a:bodyPr rtlCol="0" anchor="ctr">
+            <a:scene3d>
+              <a:camera prst="perspectiveLeft"/>
+              <a:lightRig rig="threePt" dir="t"/>
+            </a:scene3d>
+          </a:bodyPr>
+          <a:lstStyle/>
+          <a:p>
+            <a:pPr algn="ctr"/>
+            <a:r>
+              <a:rPr lang="fr-FR" sz="13800" dirty="0">
+                <a:ln w="63500">
+                  <a:solidFill>
+                    <a:srgbClr val="00FF00"/>
+                  </a:solidFill>
+                </a:ln>
+                <a:solidFill>
+                  <a:schemeClr val="tx1"/>
+                </a:solidFill>
+                <a:effectLst>
+                  <a:glow rad="101600">
+                    <a:srgbClr val="00FFFF"/>
+                  </a:glow>
+                  <a:outerShdw blurRad="38100" dist="38100" dir="2700000" algn="tl">
+                    <a:srgbClr val="000000">
+                      <a:alpha val="43137"/>
+                    </a:srgbClr>
+                  </a:outerShdw>
+                </a:effectLst>
+                <a:latin typeface="Aharoni" panose="02010803020104030203" pitchFamily="2" charset="-79"/>
+                <a:cs typeface="Aharoni" panose="02010803020104030203" pitchFamily="2" charset="-79"/>
+              </a:rPr>
+              <a:t>ONZER</a:t>
+            </a:r>
           </a:p>
         </p:txBody>
       </p:sp>

--- a/testLogo.pptx
+++ b/testLogo.pptx
@@ -6,7 +6,8 @@
   </p:sldMasterIdLst>
   <p:sldIdLst>
     <p:sldId id="256" r:id="rId2"/>
-    <p:sldId id="257" r:id="rId3"/>
+    <p:sldId id="258" r:id="rId3"/>
+    <p:sldId id="257" r:id="rId4"/>
   </p:sldIdLst>
   <p:sldSz cx="12192000" cy="6858000"/>
   <p:notesSz cx="6858000" cy="9144000"/>
@@ -116,7 +117,7 @@
 <file path=ppt/revisionInfo.xml><?xml version="1.0" encoding="utf-8"?>
 <p1510:revInfo xmlns:a="http://schemas.openxmlformats.org/drawingml/2006/main" xmlns:r="http://schemas.openxmlformats.org/officeDocument/2006/relationships" xmlns:p1510="http://schemas.microsoft.com/office/powerpoint/2015/10/main">
   <p1510:revLst>
-    <p1510:client id="{9C5EE3D2-4BE9-4BCE-A7BB-32E7FC109E2A}" v="5" dt="2024-04-29T09:58:36.295"/>
+    <p1510:client id="{9C5EE3D2-4BE9-4BCE-A7BB-32E7FC109E2A}" v="8" dt="2024-04-30T14:10:18.677"/>
   </p1510:revLst>
 </p1510:revInfo>
 </file>
@@ -125,8 +126,8 @@
 <pc:chgInfo xmlns:a="http://schemas.openxmlformats.org/drawingml/2006/main" xmlns:r="http://schemas.openxmlformats.org/officeDocument/2006/relationships" xmlns:ac="http://schemas.microsoft.com/office/drawing/2013/main/command" xmlns:pc="http://schemas.microsoft.com/office/powerpoint/2013/main/command">
   <pc:docChgLst>
     <pc:chgData name="Thomas SAUVAGE" userId="fe7406c92acd3365" providerId="LiveId" clId="{9C5EE3D2-4BE9-4BCE-A7BB-32E7FC109E2A}"/>
-    <pc:docChg chg="undo redo custSel modSld">
-      <pc:chgData name="Thomas SAUVAGE" userId="fe7406c92acd3365" providerId="LiveId" clId="{9C5EE3D2-4BE9-4BCE-A7BB-32E7FC109E2A}" dt="2024-04-29T11:07:14.328" v="85" actId="1076"/>
+    <pc:docChg chg="undo redo custSel addSld modSld">
+      <pc:chgData name="Thomas SAUVAGE" userId="fe7406c92acd3365" providerId="LiveId" clId="{9C5EE3D2-4BE9-4BCE-A7BB-32E7FC109E2A}" dt="2024-04-30T14:38:48.641" v="165" actId="1038"/>
       <pc:docMkLst>
         <pc:docMk/>
       </pc:docMkLst>
@@ -141,6 +142,45 @@
           <ac:spMkLst>
             <pc:docMk/>
             <pc:sldMk cId="563723484" sldId="256"/>
+            <ac:spMk id="9" creationId="{C82BFC96-FB7B-B6A7-9182-9E87105A000E}"/>
+          </ac:spMkLst>
+        </pc:spChg>
+      </pc:sldChg>
+      <pc:sldChg chg="addSp modSp add mod">
+        <pc:chgData name="Thomas SAUVAGE" userId="fe7406c92acd3365" providerId="LiveId" clId="{9C5EE3D2-4BE9-4BCE-A7BB-32E7FC109E2A}" dt="2024-04-30T14:38:48.641" v="165" actId="1038"/>
+        <pc:sldMkLst>
+          <pc:docMk/>
+          <pc:sldMk cId="2635676513" sldId="258"/>
+        </pc:sldMkLst>
+        <pc:spChg chg="add mod ord">
+          <ac:chgData name="Thomas SAUVAGE" userId="fe7406c92acd3365" providerId="LiveId" clId="{9C5EE3D2-4BE9-4BCE-A7BB-32E7FC109E2A}" dt="2024-04-30T14:38:48.641" v="165" actId="1038"/>
+          <ac:spMkLst>
+            <pc:docMk/>
+            <pc:sldMk cId="2635676513" sldId="258"/>
+            <ac:spMk id="2" creationId="{2154BDD9-EC08-F1E3-54B7-68A2D9982850}"/>
+          </ac:spMkLst>
+        </pc:spChg>
+        <pc:spChg chg="mod">
+          <ac:chgData name="Thomas SAUVAGE" userId="fe7406c92acd3365" providerId="LiveId" clId="{9C5EE3D2-4BE9-4BCE-A7BB-32E7FC109E2A}" dt="2024-04-30T14:12:54.416" v="140" actId="688"/>
+          <ac:spMkLst>
+            <pc:docMk/>
+            <pc:sldMk cId="2635676513" sldId="258"/>
+            <ac:spMk id="6" creationId="{312F959C-1DCE-81F5-6734-E2758125AC8F}"/>
+          </ac:spMkLst>
+        </pc:spChg>
+        <pc:spChg chg="mod">
+          <ac:chgData name="Thomas SAUVAGE" userId="fe7406c92acd3365" providerId="LiveId" clId="{9C5EE3D2-4BE9-4BCE-A7BB-32E7FC109E2A}" dt="2024-04-30T14:12:58.352" v="142" actId="688"/>
+          <ac:spMkLst>
+            <pc:docMk/>
+            <pc:sldMk cId="2635676513" sldId="258"/>
+            <ac:spMk id="8" creationId="{5C39F7B4-B832-AFEA-3EEB-E7EBADDA0388}"/>
+          </ac:spMkLst>
+        </pc:spChg>
+        <pc:spChg chg="mod">
+          <ac:chgData name="Thomas SAUVAGE" userId="fe7406c92acd3365" providerId="LiveId" clId="{9C5EE3D2-4BE9-4BCE-A7BB-32E7FC109E2A}" dt="2024-04-30T14:38:48.641" v="165" actId="1038"/>
+          <ac:spMkLst>
+            <pc:docMk/>
+            <pc:sldMk cId="2635676513" sldId="258"/>
             <ac:spMk id="9" creationId="{C82BFC96-FB7B-B6A7-9182-9E87105A000E}"/>
           </ac:spMkLst>
         </pc:spChg>
@@ -337,7 +377,7 @@
           <a:p>
             <a:fld id="{AF422AD0-C039-4E6D-B87F-17924B80A291}" type="datetimeFigureOut">
               <a:rPr lang="fr-FR" smtClean="0"/>
-              <a:t>29/04/2024</a:t>
+              <a:t>30/04/2024</a:t>
             </a:fld>
             <a:endParaRPr lang="fr-FR"/>
           </a:p>
@@ -535,7 +575,7 @@
           <a:p>
             <a:fld id="{AF422AD0-C039-4E6D-B87F-17924B80A291}" type="datetimeFigureOut">
               <a:rPr lang="fr-FR" smtClean="0"/>
-              <a:t>29/04/2024</a:t>
+              <a:t>30/04/2024</a:t>
             </a:fld>
             <a:endParaRPr lang="fr-FR"/>
           </a:p>
@@ -743,7 +783,7 @@
           <a:p>
             <a:fld id="{AF422AD0-C039-4E6D-B87F-17924B80A291}" type="datetimeFigureOut">
               <a:rPr lang="fr-FR" smtClean="0"/>
-              <a:t>29/04/2024</a:t>
+              <a:t>30/04/2024</a:t>
             </a:fld>
             <a:endParaRPr lang="fr-FR"/>
           </a:p>
@@ -941,7 +981,7 @@
           <a:p>
             <a:fld id="{AF422AD0-C039-4E6D-B87F-17924B80A291}" type="datetimeFigureOut">
               <a:rPr lang="fr-FR" smtClean="0"/>
-              <a:t>29/04/2024</a:t>
+              <a:t>30/04/2024</a:t>
             </a:fld>
             <a:endParaRPr lang="fr-FR"/>
           </a:p>
@@ -1216,7 +1256,7 @@
           <a:p>
             <a:fld id="{AF422AD0-C039-4E6D-B87F-17924B80A291}" type="datetimeFigureOut">
               <a:rPr lang="fr-FR" smtClean="0"/>
-              <a:t>29/04/2024</a:t>
+              <a:t>30/04/2024</a:t>
             </a:fld>
             <a:endParaRPr lang="fr-FR"/>
           </a:p>
@@ -1481,7 +1521,7 @@
           <a:p>
             <a:fld id="{AF422AD0-C039-4E6D-B87F-17924B80A291}" type="datetimeFigureOut">
               <a:rPr lang="fr-FR" smtClean="0"/>
-              <a:t>29/04/2024</a:t>
+              <a:t>30/04/2024</a:t>
             </a:fld>
             <a:endParaRPr lang="fr-FR"/>
           </a:p>
@@ -1893,7 +1933,7 @@
           <a:p>
             <a:fld id="{AF422AD0-C039-4E6D-B87F-17924B80A291}" type="datetimeFigureOut">
               <a:rPr lang="fr-FR" smtClean="0"/>
-              <a:t>29/04/2024</a:t>
+              <a:t>30/04/2024</a:t>
             </a:fld>
             <a:endParaRPr lang="fr-FR"/>
           </a:p>
@@ -2034,7 +2074,7 @@
           <a:p>
             <a:fld id="{AF422AD0-C039-4E6D-B87F-17924B80A291}" type="datetimeFigureOut">
               <a:rPr lang="fr-FR" smtClean="0"/>
-              <a:t>29/04/2024</a:t>
+              <a:t>30/04/2024</a:t>
             </a:fld>
             <a:endParaRPr lang="fr-FR"/>
           </a:p>
@@ -2147,7 +2187,7 @@
           <a:p>
             <a:fld id="{AF422AD0-C039-4E6D-B87F-17924B80A291}" type="datetimeFigureOut">
               <a:rPr lang="fr-FR" smtClean="0"/>
-              <a:t>29/04/2024</a:t>
+              <a:t>30/04/2024</a:t>
             </a:fld>
             <a:endParaRPr lang="fr-FR"/>
           </a:p>
@@ -2458,7 +2498,7 @@
           <a:p>
             <a:fld id="{AF422AD0-C039-4E6D-B87F-17924B80A291}" type="datetimeFigureOut">
               <a:rPr lang="fr-FR" smtClean="0"/>
-              <a:t>29/04/2024</a:t>
+              <a:t>30/04/2024</a:t>
             </a:fld>
             <a:endParaRPr lang="fr-FR"/>
           </a:p>
@@ -2746,7 +2786,7 @@
           <a:p>
             <a:fld id="{AF422AD0-C039-4E6D-B87F-17924B80A291}" type="datetimeFigureOut">
               <a:rPr lang="fr-FR" smtClean="0"/>
-              <a:t>29/04/2024</a:t>
+              <a:t>30/04/2024</a:t>
             </a:fld>
             <a:endParaRPr lang="fr-FR"/>
           </a:p>
@@ -2987,7 +3027,7 @@
           <a:p>
             <a:fld id="{AF422AD0-C039-4E6D-B87F-17924B80A291}" type="datetimeFigureOut">
               <a:rPr lang="fr-FR" smtClean="0"/>
-              <a:t>29/04/2024</a:t>
+              <a:t>30/04/2024</a:t>
             </a:fld>
             <a:endParaRPr lang="fr-FR"/>
           </a:p>
@@ -3651,6 +3691,370 @@
       </p:grpSpPr>
       <p:sp>
         <p:nvSpPr>
+          <p:cNvPr id="6" name="Organigramme : Fusion 5">
+            <a:extLst>
+              <a:ext uri="{FF2B5EF4-FFF2-40B4-BE49-F238E27FC236}">
+                <a16:creationId xmlns:a16="http://schemas.microsoft.com/office/drawing/2014/main" id="{312F959C-1DCE-81F5-6734-E2758125AC8F}"/>
+              </a:ext>
+            </a:extLst>
+          </p:cNvPr>
+          <p:cNvSpPr/>
+          <p:nvPr/>
+        </p:nvSpPr>
+        <p:spPr>
+          <a:xfrm rot="16200000">
+            <a:off x="4400539" y="1268998"/>
+            <a:ext cx="4320000" cy="4320000"/>
+          </a:xfrm>
+          <a:prstGeom prst="flowChartMerge">
+            <a:avLst/>
+          </a:prstGeom>
+          <a:noFill/>
+          <a:ln>
+            <a:solidFill>
+              <a:srgbClr val="FF0000"/>
+            </a:solidFill>
+          </a:ln>
+          <a:effectLst>
+            <a:glow rad="292100">
+              <a:srgbClr val="00FFFF"/>
+            </a:glow>
+          </a:effectLst>
+        </p:spPr>
+        <p:style>
+          <a:lnRef idx="2">
+            <a:schemeClr val="accent1">
+              <a:shade val="15000"/>
+            </a:schemeClr>
+          </a:lnRef>
+          <a:fillRef idx="1">
+            <a:schemeClr val="accent1"/>
+          </a:fillRef>
+          <a:effectRef idx="0">
+            <a:schemeClr val="accent1"/>
+          </a:effectRef>
+          <a:fontRef idx="minor">
+            <a:schemeClr val="lt1"/>
+          </a:fontRef>
+        </p:style>
+        <p:txBody>
+          <a:bodyPr rtlCol="0" anchor="ctr"/>
+          <a:lstStyle/>
+          <a:p>
+            <a:pPr algn="ctr"/>
+            <a:endParaRPr lang="fr-FR">
+              <a:noFill/>
+            </a:endParaRPr>
+          </a:p>
+        </p:txBody>
+      </p:sp>
+      <p:sp>
+        <p:nvSpPr>
+          <p:cNvPr id="8" name="Organigramme : Fusion 7">
+            <a:extLst>
+              <a:ext uri="{FF2B5EF4-FFF2-40B4-BE49-F238E27FC236}">
+                <a16:creationId xmlns:a16="http://schemas.microsoft.com/office/drawing/2014/main" id="{5C39F7B4-B832-AFEA-3EEB-E7EBADDA0388}"/>
+              </a:ext>
+            </a:extLst>
+          </p:cNvPr>
+          <p:cNvSpPr/>
+          <p:nvPr/>
+        </p:nvSpPr>
+        <p:spPr>
+          <a:xfrm rot="16200000">
+            <a:off x="4939035" y="1988997"/>
+            <a:ext cx="2880000" cy="2880000"/>
+          </a:xfrm>
+          <a:prstGeom prst="flowChartMerge">
+            <a:avLst/>
+          </a:prstGeom>
+          <a:noFill/>
+          <a:ln>
+            <a:solidFill>
+              <a:srgbClr val="00FFFF"/>
+            </a:solidFill>
+          </a:ln>
+          <a:effectLst>
+            <a:glow rad="292100">
+              <a:srgbClr val="FF0000"/>
+            </a:glow>
+          </a:effectLst>
+        </p:spPr>
+        <p:style>
+          <a:lnRef idx="2">
+            <a:schemeClr val="accent1">
+              <a:shade val="15000"/>
+            </a:schemeClr>
+          </a:lnRef>
+          <a:fillRef idx="1">
+            <a:schemeClr val="accent1"/>
+          </a:fillRef>
+          <a:effectRef idx="0">
+            <a:schemeClr val="accent1"/>
+          </a:effectRef>
+          <a:fontRef idx="minor">
+            <a:schemeClr val="lt1"/>
+          </a:fontRef>
+        </p:style>
+        <p:txBody>
+          <a:bodyPr rtlCol="0" anchor="ctr"/>
+          <a:lstStyle/>
+          <a:p>
+            <a:pPr algn="ctr"/>
+            <a:endParaRPr lang="fr-FR">
+              <a:noFill/>
+            </a:endParaRPr>
+          </a:p>
+        </p:txBody>
+      </p:sp>
+      <p:sp>
+        <p:nvSpPr>
+          <p:cNvPr id="2" name="Rectangle 1">
+            <a:extLst>
+              <a:ext uri="{FF2B5EF4-FFF2-40B4-BE49-F238E27FC236}">
+                <a16:creationId xmlns:a16="http://schemas.microsoft.com/office/drawing/2014/main" id="{2154BDD9-EC08-F1E3-54B7-68A2D9982850}"/>
+              </a:ext>
+            </a:extLst>
+          </p:cNvPr>
+          <p:cNvSpPr/>
+          <p:nvPr/>
+        </p:nvSpPr>
+        <p:spPr>
+          <a:xfrm>
+            <a:off x="2627315" y="91440"/>
+            <a:ext cx="7104857" cy="6858000"/>
+          </a:xfrm>
+          <a:prstGeom prst="rect">
+            <a:avLst/>
+          </a:prstGeom>
+          <a:noFill/>
+          <a:ln>
+            <a:noFill/>
+          </a:ln>
+        </p:spPr>
+        <p:style>
+          <a:lnRef idx="2">
+            <a:schemeClr val="accent1">
+              <a:shade val="15000"/>
+            </a:schemeClr>
+          </a:lnRef>
+          <a:fillRef idx="1">
+            <a:schemeClr val="accent1"/>
+          </a:fillRef>
+          <a:effectRef idx="0">
+            <a:schemeClr val="accent1"/>
+          </a:effectRef>
+          <a:fontRef idx="minor">
+            <a:schemeClr val="lt1"/>
+          </a:fontRef>
+        </p:style>
+        <p:txBody>
+          <a:bodyPr rtlCol="0" anchor="ctr" anchorCtr="0">
+            <a:scene3d>
+              <a:camera prst="perspectiveLeft"/>
+              <a:lightRig rig="threePt" dir="t"/>
+            </a:scene3d>
+          </a:bodyPr>
+          <a:lstStyle/>
+          <a:p>
+            <a:pPr algn="ctr"/>
+            <a:r>
+              <a:rPr lang="fr-FR" sz="28700" dirty="0">
+                <a:ln w="63500">
+                  <a:solidFill>
+                    <a:srgbClr val="FF0000"/>
+                  </a:solidFill>
+                </a:ln>
+                <a:solidFill>
+                  <a:schemeClr val="tx1"/>
+                </a:solidFill>
+                <a:effectLst>
+                  <a:glow rad="101600">
+                    <a:srgbClr val="00FFFF"/>
+                  </a:glow>
+                  <a:outerShdw blurRad="38100" dist="38100" dir="2700000" algn="tl">
+                    <a:srgbClr val="000000">
+                      <a:alpha val="43137"/>
+                    </a:srgbClr>
+                  </a:outerShdw>
+                </a:effectLst>
+                <a:latin typeface="Aharoni" panose="02010803020104030203" pitchFamily="2" charset="-79"/>
+                <a:cs typeface="Aharoni" panose="02010803020104030203" pitchFamily="2" charset="-79"/>
+              </a:rPr>
+              <a:t>Z</a:t>
+            </a:r>
+          </a:p>
+        </p:txBody>
+      </p:sp>
+      <p:sp>
+        <p:nvSpPr>
+          <p:cNvPr id="9" name="Rectangle 8">
+            <a:extLst>
+              <a:ext uri="{FF2B5EF4-FFF2-40B4-BE49-F238E27FC236}">
+                <a16:creationId xmlns:a16="http://schemas.microsoft.com/office/drawing/2014/main" id="{C82BFC96-FB7B-B6A7-9182-9E87105A000E}"/>
+              </a:ext>
+            </a:extLst>
+          </p:cNvPr>
+          <p:cNvSpPr/>
+          <p:nvPr/>
+        </p:nvSpPr>
+        <p:spPr>
+          <a:xfrm>
+            <a:off x="2061246" y="-377952"/>
+            <a:ext cx="7485428" cy="6858000"/>
+          </a:xfrm>
+          <a:prstGeom prst="rect">
+            <a:avLst/>
+          </a:prstGeom>
+          <a:noFill/>
+          <a:ln>
+            <a:noFill/>
+          </a:ln>
+        </p:spPr>
+        <p:style>
+          <a:lnRef idx="2">
+            <a:schemeClr val="accent1">
+              <a:shade val="15000"/>
+            </a:schemeClr>
+          </a:lnRef>
+          <a:fillRef idx="1">
+            <a:schemeClr val="accent1"/>
+          </a:fillRef>
+          <a:effectRef idx="0">
+            <a:schemeClr val="accent1"/>
+          </a:effectRef>
+          <a:fontRef idx="minor">
+            <a:schemeClr val="lt1"/>
+          </a:fontRef>
+        </p:style>
+        <p:txBody>
+          <a:bodyPr rtlCol="0" anchor="ctr" anchorCtr="0">
+            <a:scene3d>
+              <a:camera prst="perspectiveLeft"/>
+              <a:lightRig rig="threePt" dir="t"/>
+            </a:scene3d>
+          </a:bodyPr>
+          <a:lstStyle/>
+          <a:p>
+            <a:pPr algn="ctr"/>
+            <a:r>
+              <a:rPr lang="fr-FR" sz="13800" dirty="0">
+                <a:ln w="63500">
+                  <a:solidFill>
+                    <a:srgbClr val="FF0000"/>
+                  </a:solidFill>
+                </a:ln>
+                <a:solidFill>
+                  <a:schemeClr val="tx1"/>
+                </a:solidFill>
+                <a:effectLst>
+                  <a:glow rad="101600">
+                    <a:srgbClr val="00FFFF"/>
+                  </a:glow>
+                  <a:outerShdw blurRad="38100" dist="38100" dir="2700000" algn="tl">
+                    <a:srgbClr val="000000">
+                      <a:alpha val="43137"/>
+                    </a:srgbClr>
+                  </a:outerShdw>
+                </a:effectLst>
+                <a:latin typeface="Aharoni" panose="02010803020104030203" pitchFamily="2" charset="-79"/>
+                <a:cs typeface="Aharoni" panose="02010803020104030203" pitchFamily="2" charset="-79"/>
+              </a:rPr>
+              <a:t>ON</a:t>
+            </a:r>
+            <a:r>
+              <a:rPr lang="fr-FR" sz="23900" dirty="0">
+                <a:ln w="63500">
+                  <a:solidFill>
+                    <a:srgbClr val="FF0000"/>
+                  </a:solidFill>
+                </a:ln>
+                <a:solidFill>
+                  <a:schemeClr val="tx1"/>
+                </a:solidFill>
+                <a:effectLst>
+                  <a:glow rad="101600">
+                    <a:srgbClr val="00FFFF"/>
+                  </a:glow>
+                  <a:outerShdw blurRad="38100" dist="38100" dir="2700000" algn="tl">
+                    <a:srgbClr val="000000">
+                      <a:alpha val="43137"/>
+                    </a:srgbClr>
+                  </a:outerShdw>
+                </a:effectLst>
+                <a:latin typeface="Aharoni" panose="02010803020104030203" pitchFamily="2" charset="-79"/>
+                <a:cs typeface="Aharoni" panose="02010803020104030203" pitchFamily="2" charset="-79"/>
+              </a:rPr>
+              <a:t>  </a:t>
+            </a:r>
+            <a:r>
+              <a:rPr lang="fr-FR" sz="13800" dirty="0">
+                <a:ln w="63500">
+                  <a:solidFill>
+                    <a:srgbClr val="FF0000"/>
+                  </a:solidFill>
+                </a:ln>
+                <a:solidFill>
+                  <a:schemeClr val="tx1"/>
+                </a:solidFill>
+                <a:effectLst>
+                  <a:glow rad="101600">
+                    <a:srgbClr val="00FFFF"/>
+                  </a:glow>
+                  <a:outerShdw blurRad="38100" dist="38100" dir="2700000" algn="tl">
+                    <a:srgbClr val="000000">
+                      <a:alpha val="43137"/>
+                    </a:srgbClr>
+                  </a:outerShdw>
+                </a:effectLst>
+                <a:latin typeface="Aharoni" panose="02010803020104030203" pitchFamily="2" charset="-79"/>
+                <a:cs typeface="Aharoni" panose="02010803020104030203" pitchFamily="2" charset="-79"/>
+              </a:rPr>
+              <a:t>ER</a:t>
+            </a:r>
+          </a:p>
+        </p:txBody>
+      </p:sp>
+    </p:spTree>
+    <p:extLst>
+      <p:ext uri="{BB962C8B-B14F-4D97-AF65-F5344CB8AC3E}">
+        <p14:creationId xmlns:p14="http://schemas.microsoft.com/office/powerpoint/2010/main" val="2635676513"/>
+      </p:ext>
+    </p:extLst>
+  </p:cSld>
+  <p:clrMapOvr>
+    <a:masterClrMapping/>
+  </p:clrMapOvr>
+</p:sld>
+</file>
+
+<file path=ppt/slides/slide3.xml><?xml version="1.0" encoding="utf-8"?>
+<p:sld xmlns:a="http://schemas.openxmlformats.org/drawingml/2006/main" xmlns:r="http://schemas.openxmlformats.org/officeDocument/2006/relationships" xmlns:p="http://schemas.openxmlformats.org/presentationml/2006/main">
+  <p:cSld>
+    <p:bg>
+      <p:bgPr>
+        <a:solidFill>
+          <a:schemeClr val="tx1"/>
+        </a:solidFill>
+        <a:effectLst/>
+      </p:bgPr>
+    </p:bg>
+    <p:spTree>
+      <p:nvGrpSpPr>
+        <p:cNvPr id="1" name=""/>
+        <p:cNvGrpSpPr/>
+        <p:nvPr/>
+      </p:nvGrpSpPr>
+      <p:grpSpPr>
+        <a:xfrm>
+          <a:off x="0" y="0"/>
+          <a:ext cx="0" cy="0"/>
+          <a:chOff x="0" y="0"/>
+          <a:chExt cx="0" cy="0"/>
+        </a:xfrm>
+      </p:grpSpPr>
+      <p:sp>
+        <p:nvSpPr>
           <p:cNvPr id="5" name="Rectangle 4">
             <a:extLst>
               <a:ext uri="{FF2B5EF4-FFF2-40B4-BE49-F238E27FC236}">
